--- a/3.reUnity/Ge1_3_RigidbodyColider.pptx
+++ b/3.reUnity/Ge1_3_RigidbodyColider.pptx
@@ -5,7 +5,7 @@
     <p:sldMasterId id="2147483677" r:id="rId1"/>
   </p:sldMasterIdLst>
   <p:notesMasterIdLst>
-    <p:notesMasterId r:id="rId16"/>
+    <p:notesMasterId r:id="rId15"/>
   </p:notesMasterIdLst>
   <p:sldIdLst>
     <p:sldId id="256" r:id="rId2"/>
@@ -20,8 +20,7 @@
     <p:sldId id="291" r:id="rId11"/>
     <p:sldId id="292" r:id="rId12"/>
     <p:sldId id="278" r:id="rId13"/>
-    <p:sldId id="277" r:id="rId14"/>
-    <p:sldId id="299" r:id="rId15"/>
+    <p:sldId id="299" r:id="rId14"/>
   </p:sldIdLst>
   <p:sldSz cx="12192000" cy="6858000"/>
   <p:notesSz cx="6858000" cy="9144000"/>
@@ -137,7 +136,6 @@
             <p14:sldId id="291"/>
             <p14:sldId id="292"/>
             <p14:sldId id="278"/>
-            <p14:sldId id="277"/>
             <p14:sldId id="299"/>
           </p14:sldIdLst>
         </p14:section>
@@ -251,7 +249,7 @@
           <a:p>
             <a:fld id="{C9C3C1B3-0E61-4942-A09A-02F2EAE54150}" type="datetimeFigureOut">
               <a:rPr kumimoji="1" lang="ja-JP" altLang="en-US" smtClean="0"/>
-              <a:t>2023/9/4</a:t>
+              <a:t>2023/9/7</a:t>
             </a:fld>
             <a:endParaRPr kumimoji="1" lang="ja-JP" altLang="en-US"/>
           </a:p>
@@ -697,7 +695,7 @@
           <a:p>
             <a:fld id="{691E08CE-871E-42A1-882B-8194E9FA60B7}" type="datetimeFigureOut">
               <a:rPr kumimoji="1" lang="ja-JP" altLang="en-US" smtClean="0"/>
-              <a:t>2023/9/4</a:t>
+              <a:t>2023/9/7</a:t>
             </a:fld>
             <a:endParaRPr kumimoji="1" lang="ja-JP" altLang="en-US"/>
           </a:p>
@@ -927,7 +925,7 @@
           <a:p>
             <a:fld id="{691E08CE-871E-42A1-882B-8194E9FA60B7}" type="datetimeFigureOut">
               <a:rPr kumimoji="1" lang="ja-JP" altLang="en-US" smtClean="0"/>
-              <a:t>2023/9/4</a:t>
+              <a:t>2023/9/7</a:t>
             </a:fld>
             <a:endParaRPr kumimoji="1" lang="ja-JP" altLang="en-US"/>
           </a:p>
@@ -1167,7 +1165,7 @@
           <a:p>
             <a:fld id="{691E08CE-871E-42A1-882B-8194E9FA60B7}" type="datetimeFigureOut">
               <a:rPr kumimoji="1" lang="ja-JP" altLang="en-US" smtClean="0"/>
-              <a:t>2023/9/4</a:t>
+              <a:t>2023/9/7</a:t>
             </a:fld>
             <a:endParaRPr kumimoji="1" lang="ja-JP" altLang="en-US"/>
           </a:p>
@@ -1397,7 +1395,7 @@
           <a:p>
             <a:fld id="{691E08CE-871E-42A1-882B-8194E9FA60B7}" type="datetimeFigureOut">
               <a:rPr kumimoji="1" lang="ja-JP" altLang="en-US" smtClean="0"/>
-              <a:t>2023/9/4</a:t>
+              <a:t>2023/9/7</a:t>
             </a:fld>
             <a:endParaRPr kumimoji="1" lang="ja-JP" altLang="en-US"/>
           </a:p>
@@ -1672,7 +1670,7 @@
           <a:p>
             <a:fld id="{691E08CE-871E-42A1-882B-8194E9FA60B7}" type="datetimeFigureOut">
               <a:rPr kumimoji="1" lang="ja-JP" altLang="en-US" smtClean="0"/>
-              <a:t>2023/9/4</a:t>
+              <a:t>2023/9/7</a:t>
             </a:fld>
             <a:endParaRPr kumimoji="1" lang="ja-JP" altLang="en-US"/>
           </a:p>
@@ -2001,7 +1999,7 @@
           <a:p>
             <a:fld id="{691E08CE-871E-42A1-882B-8194E9FA60B7}" type="datetimeFigureOut">
               <a:rPr kumimoji="1" lang="ja-JP" altLang="en-US" smtClean="0"/>
-              <a:t>2023/9/4</a:t>
+              <a:t>2023/9/7</a:t>
             </a:fld>
             <a:endParaRPr kumimoji="1" lang="ja-JP" altLang="en-US"/>
           </a:p>
@@ -2477,7 +2475,7 @@
           <a:p>
             <a:fld id="{691E08CE-871E-42A1-882B-8194E9FA60B7}" type="datetimeFigureOut">
               <a:rPr kumimoji="1" lang="ja-JP" altLang="en-US" smtClean="0"/>
-              <a:t>2023/9/4</a:t>
+              <a:t>2023/9/7</a:t>
             </a:fld>
             <a:endParaRPr kumimoji="1" lang="ja-JP" altLang="en-US"/>
           </a:p>
@@ -2618,7 +2616,7 @@
           <a:p>
             <a:fld id="{691E08CE-871E-42A1-882B-8194E9FA60B7}" type="datetimeFigureOut">
               <a:rPr kumimoji="1" lang="ja-JP" altLang="en-US" smtClean="0"/>
-              <a:t>2023/9/4</a:t>
+              <a:t>2023/9/7</a:t>
             </a:fld>
             <a:endParaRPr kumimoji="1" lang="ja-JP" altLang="en-US"/>
           </a:p>
@@ -2731,7 +2729,7 @@
           <a:p>
             <a:fld id="{691E08CE-871E-42A1-882B-8194E9FA60B7}" type="datetimeFigureOut">
               <a:rPr kumimoji="1" lang="ja-JP" altLang="en-US" smtClean="0"/>
-              <a:t>2023/9/4</a:t>
+              <a:t>2023/9/7</a:t>
             </a:fld>
             <a:endParaRPr kumimoji="1" lang="ja-JP" altLang="en-US"/>
           </a:p>
@@ -3074,7 +3072,7 @@
           <a:p>
             <a:fld id="{691E08CE-871E-42A1-882B-8194E9FA60B7}" type="datetimeFigureOut">
               <a:rPr kumimoji="1" lang="ja-JP" altLang="en-US" smtClean="0"/>
-              <a:t>2023/9/4</a:t>
+              <a:t>2023/9/7</a:t>
             </a:fld>
             <a:endParaRPr kumimoji="1" lang="ja-JP" altLang="en-US"/>
           </a:p>
@@ -3362,7 +3360,7 @@
           <a:p>
             <a:fld id="{691E08CE-871E-42A1-882B-8194E9FA60B7}" type="datetimeFigureOut">
               <a:rPr kumimoji="1" lang="ja-JP" altLang="en-US" smtClean="0"/>
-              <a:t>2023/9/4</a:t>
+              <a:t>2023/9/7</a:t>
             </a:fld>
             <a:endParaRPr kumimoji="1" lang="ja-JP" altLang="en-US"/>
           </a:p>
@@ -3635,7 +3633,7 @@
           <a:p>
             <a:fld id="{691E08CE-871E-42A1-882B-8194E9FA60B7}" type="datetimeFigureOut">
               <a:rPr kumimoji="1" lang="ja-JP" altLang="en-US" smtClean="0"/>
-              <a:t>2023/9/4</a:t>
+              <a:t>2023/9/7</a:t>
             </a:fld>
             <a:endParaRPr kumimoji="1" lang="ja-JP" altLang="en-US"/>
           </a:p>
@@ -5804,6 +5802,185 @@
           <a:chExt cx="0" cy="0"/>
         </a:xfrm>
       </p:grpSpPr>
+      <p:sp>
+        <p:nvSpPr>
+          <p:cNvPr id="3" name="コンテンツ プレースホルダー 2">
+            <a:extLst>
+              <a:ext uri="{FF2B5EF4-FFF2-40B4-BE49-F238E27FC236}">
+                <a16:creationId xmlns:a16="http://schemas.microsoft.com/office/drawing/2014/main" id="{76539F66-5BA7-4BBB-A6DB-9186CA691834}"/>
+              </a:ext>
+            </a:extLst>
+          </p:cNvPr>
+          <p:cNvSpPr>
+            <a:spLocks noGrp="1"/>
+          </p:cNvSpPr>
+          <p:nvPr>
+            <p:ph idx="1"/>
+          </p:nvPr>
+        </p:nvSpPr>
+        <p:spPr>
+          <a:xfrm>
+            <a:off x="399576" y="1104034"/>
+            <a:ext cx="5696423" cy="5466099"/>
+          </a:xfrm>
+        </p:spPr>
+        <p:txBody>
+          <a:bodyPr>
+            <a:normAutofit/>
+          </a:bodyPr>
+          <a:lstStyle/>
+          <a:p>
+            <a:r>
+              <a:rPr kumimoji="1" lang="ja-JP" altLang="en-US" sz="3200" b="1" u="sng" dirty="0"/>
+              <a:t>今回のアジェンダ</a:t>
+            </a:r>
+            <a:endParaRPr kumimoji="1" lang="en-US" altLang="ja-JP" sz="3200" b="1" u="sng" dirty="0"/>
+          </a:p>
+          <a:p>
+            <a:pPr marL="0" indent="0">
+              <a:buNone/>
+            </a:pPr>
+            <a:r>
+              <a:rPr kumimoji="1" lang="ja-JP" altLang="en-US" sz="3200" dirty="0"/>
+              <a:t>・</a:t>
+            </a:r>
+            <a:r>
+              <a:rPr kumimoji="1" lang="en-US" altLang="ja-JP" sz="3200" dirty="0"/>
+              <a:t>Prefab(</a:t>
+            </a:r>
+            <a:r>
+              <a:rPr kumimoji="1" lang="ja-JP" altLang="en-US" sz="3200" dirty="0"/>
+              <a:t>複製</a:t>
+            </a:r>
+            <a:r>
+              <a:rPr kumimoji="1" lang="en-US" altLang="ja-JP" sz="3200" dirty="0"/>
+              <a:t>)</a:t>
+            </a:r>
+            <a:br>
+              <a:rPr kumimoji="1" lang="en-US" altLang="ja-JP" sz="3200" dirty="0"/>
+            </a:br>
+            <a:r>
+              <a:rPr lang="ja-JP" altLang="en-US" sz="3200" dirty="0"/>
+              <a:t>・</a:t>
+            </a:r>
+            <a:r>
+              <a:rPr lang="en-US" altLang="ja-JP" sz="3200" dirty="0"/>
+              <a:t>Manager(</a:t>
+            </a:r>
+            <a:r>
+              <a:rPr lang="ja-JP" altLang="en-US" sz="3200" dirty="0"/>
+              <a:t>外部制御</a:t>
+            </a:r>
+            <a:r>
+              <a:rPr lang="en-US" altLang="ja-JP" sz="3200" dirty="0"/>
+              <a:t>)</a:t>
+            </a:r>
+          </a:p>
+          <a:p>
+            <a:pPr marL="0" indent="0">
+              <a:buNone/>
+            </a:pPr>
+            <a:r>
+              <a:rPr kumimoji="1" lang="ja-JP" altLang="en-US" sz="3200" dirty="0"/>
+              <a:t>・</a:t>
+            </a:r>
+            <a:r>
+              <a:rPr kumimoji="1" lang="en-US" altLang="ja-JP" sz="3200" dirty="0" err="1"/>
+              <a:t>SceneManager</a:t>
+            </a:r>
+            <a:r>
+              <a:rPr kumimoji="1" lang="en-US" altLang="ja-JP" sz="3200" dirty="0"/>
+              <a:t>(Scene</a:t>
+            </a:r>
+            <a:r>
+              <a:rPr kumimoji="1" lang="ja-JP" altLang="en-US" sz="3200" dirty="0"/>
+              <a:t>操作</a:t>
+            </a:r>
+            <a:r>
+              <a:rPr kumimoji="1" lang="en-US" altLang="ja-JP" sz="3200" dirty="0"/>
+              <a:t>)</a:t>
+            </a:r>
+            <a:endParaRPr lang="en-US" altLang="ja-JP" sz="3200" dirty="0"/>
+          </a:p>
+          <a:p>
+            <a:pPr marL="0" indent="0">
+              <a:buNone/>
+            </a:pPr>
+            <a:r>
+              <a:rPr lang="ja-JP" altLang="en-US" sz="3200" dirty="0"/>
+              <a:t>・</a:t>
+            </a:r>
+            <a:r>
+              <a:rPr lang="en-US" altLang="ja-JP" sz="3200" dirty="0" err="1"/>
+              <a:t>RigidBody</a:t>
+            </a:r>
+            <a:r>
+              <a:rPr lang="en-US" altLang="ja-JP" sz="3200" dirty="0"/>
+              <a:t>(</a:t>
+            </a:r>
+            <a:r>
+              <a:rPr lang="ja-JP" altLang="en-US" sz="3200" dirty="0"/>
+              <a:t>物理演算</a:t>
+            </a:r>
+            <a:r>
+              <a:rPr lang="en-US" altLang="ja-JP" sz="3200" dirty="0"/>
+              <a:t>)</a:t>
+            </a:r>
+          </a:p>
+          <a:p>
+            <a:pPr marL="0" indent="0">
+              <a:buNone/>
+            </a:pPr>
+            <a:r>
+              <a:rPr lang="ja-JP" altLang="en-US" sz="3200" dirty="0"/>
+              <a:t>・</a:t>
+            </a:r>
+            <a:r>
+              <a:rPr lang="en-US" altLang="ja-JP" sz="3200" dirty="0" err="1"/>
+              <a:t>Colider</a:t>
+            </a:r>
+            <a:r>
+              <a:rPr lang="en-US" altLang="ja-JP" sz="3200" dirty="0"/>
+              <a:t>(</a:t>
+            </a:r>
+            <a:r>
+              <a:rPr lang="ja-JP" altLang="en-US" sz="3200" dirty="0"/>
+              <a:t>当たり判定</a:t>
+            </a:r>
+            <a:r>
+              <a:rPr lang="en-US" altLang="ja-JP" sz="3200" dirty="0"/>
+              <a:t>)</a:t>
+            </a:r>
+          </a:p>
+          <a:p>
+            <a:pPr marL="0" indent="0">
+              <a:buNone/>
+            </a:pPr>
+            <a:r>
+              <a:rPr kumimoji="1" lang="ja-JP" altLang="en-US" sz="3200" dirty="0"/>
+              <a:t>・</a:t>
+            </a:r>
+            <a:r>
+              <a:rPr lang="ja-JP" altLang="en-US" sz="3200" dirty="0"/>
+              <a:t>確認問題</a:t>
+            </a:r>
+            <a:br>
+              <a:rPr lang="en-US" altLang="ja-JP" sz="3200" dirty="0"/>
+            </a:br>
+            <a:r>
+              <a:rPr lang="ja-JP" altLang="en-US" sz="3200" dirty="0"/>
+              <a:t>・課題</a:t>
+            </a:r>
+            <a:endParaRPr kumimoji="1" lang="ja-JP" altLang="en-US" sz="3200" dirty="0"/>
+          </a:p>
+          <a:p>
+            <a:pPr marL="0" indent="0">
+              <a:buNone/>
+            </a:pPr>
+            <a:endParaRPr kumimoji="1" lang="en-US" altLang="ja-JP" sz="3200" b="1" u="sng" dirty="0"/>
+          </a:p>
+        </p:txBody>
+      </p:sp>
       <p:pic>
         <p:nvPicPr>
           <p:cNvPr id="8" name="図 7">
@@ -5872,10 +6049,10 @@
       </p:pic>
       <p:sp>
         <p:nvSpPr>
-          <p:cNvPr id="10" name="タイトル 1">
-            <a:extLst>
-              <a:ext uri="{FF2B5EF4-FFF2-40B4-BE49-F238E27FC236}">
-                <a16:creationId xmlns:a16="http://schemas.microsoft.com/office/drawing/2014/main" id="{552304C8-A1DE-4E8B-BA5F-60F1BC1D2390}"/>
+          <p:cNvPr id="14" name="タイトル 1">
+            <a:extLst>
+              <a:ext uri="{FF2B5EF4-FFF2-40B4-BE49-F238E27FC236}">
+                <a16:creationId xmlns:a16="http://schemas.microsoft.com/office/drawing/2014/main" id="{455EA0C2-4FB9-43BC-8B7F-C436C1DEF47F}"/>
               </a:ext>
             </a:extLst>
           </p:cNvPr>
@@ -5971,461 +6148,6 @@
           </a:lstStyle>
           <a:p>
             <a:r>
-              <a:rPr lang="ja-JP" altLang="en-US" sz="3200" dirty="0">
-                <a:solidFill>
-                  <a:schemeClr val="tx1"/>
-                </a:solidFill>
-              </a:rPr>
-              <a:t>課題：クッキークリッカーもどきの作成２</a:t>
-            </a:r>
-          </a:p>
-        </p:txBody>
-      </p:sp>
-      <p:sp>
-        <p:nvSpPr>
-          <p:cNvPr id="7" name="テキスト ボックス 6">
-            <a:extLst>
-              <a:ext uri="{FF2B5EF4-FFF2-40B4-BE49-F238E27FC236}">
-                <a16:creationId xmlns:a16="http://schemas.microsoft.com/office/drawing/2014/main" id="{6D481F4F-8AA2-4E71-919B-8430524F502F}"/>
-              </a:ext>
-            </a:extLst>
-          </p:cNvPr>
-          <p:cNvSpPr txBox="1"/>
-          <p:nvPr/>
-        </p:nvSpPr>
-        <p:spPr>
-          <a:xfrm>
-            <a:off x="961697" y="3167390"/>
-            <a:ext cx="9661619" cy="1015663"/>
-          </a:xfrm>
-          <a:prstGeom prst="rect">
-            <a:avLst/>
-          </a:prstGeom>
-        </p:spPr>
-        <p:style>
-          <a:lnRef idx="2">
-            <a:schemeClr val="accent1"/>
-          </a:lnRef>
-          <a:fillRef idx="1">
-            <a:schemeClr val="lt1"/>
-          </a:fillRef>
-          <a:effectRef idx="0">
-            <a:schemeClr val="accent1"/>
-          </a:effectRef>
-          <a:fontRef idx="minor">
-            <a:schemeClr val="dk1"/>
-          </a:fontRef>
-        </p:style>
-        <p:txBody>
-          <a:bodyPr wrap="none" rtlCol="0">
-            <a:spAutoFit/>
-          </a:bodyPr>
-          <a:lstStyle/>
-          <a:p>
-            <a:r>
-              <a:rPr kumimoji="1" lang="ja-JP" altLang="en-US" sz="6000" dirty="0"/>
-              <a:t>仕様書</a:t>
-            </a:r>
-            <a:r>
-              <a:rPr kumimoji="1" lang="en-US" altLang="ja-JP" sz="6000" dirty="0"/>
-              <a:t>(teams</a:t>
-            </a:r>
-            <a:r>
-              <a:rPr kumimoji="1" lang="ja-JP" altLang="en-US" sz="6000" dirty="0"/>
-              <a:t>上</a:t>
-            </a:r>
-            <a:r>
-              <a:rPr kumimoji="1" lang="en-US" altLang="ja-JP" sz="6000" dirty="0"/>
-              <a:t>)</a:t>
-            </a:r>
-            <a:r>
-              <a:rPr kumimoji="1" lang="ja-JP" altLang="en-US" sz="6000" dirty="0"/>
-              <a:t>：</a:t>
-            </a:r>
-            <a:r>
-              <a:rPr lang="en-US" altLang="ja-JP" sz="6000" dirty="0"/>
-              <a:t>Cookie2</a:t>
-            </a:r>
-            <a:endParaRPr kumimoji="1" lang="ja-JP" altLang="en-US" sz="4400" dirty="0"/>
-          </a:p>
-        </p:txBody>
-      </p:sp>
-    </p:spTree>
-    <p:extLst>
-      <p:ext uri="{BB962C8B-B14F-4D97-AF65-F5344CB8AC3E}">
-        <p14:creationId xmlns:p14="http://schemas.microsoft.com/office/powerpoint/2010/main" val="2760010478"/>
-      </p:ext>
-    </p:extLst>
-  </p:cSld>
-  <p:clrMapOvr>
-    <a:masterClrMapping/>
-  </p:clrMapOvr>
-</p:sld>
-</file>
-
-<file path=ppt/slides/slide14.xml><?xml version="1.0" encoding="utf-8"?>
-<p:sld xmlns:a="http://schemas.openxmlformats.org/drawingml/2006/main" xmlns:r="http://schemas.openxmlformats.org/officeDocument/2006/relationships" xmlns:p="http://schemas.openxmlformats.org/presentationml/2006/main">
-  <p:cSld>
-    <p:spTree>
-      <p:nvGrpSpPr>
-        <p:cNvPr id="1" name=""/>
-        <p:cNvGrpSpPr/>
-        <p:nvPr/>
-      </p:nvGrpSpPr>
-      <p:grpSpPr>
-        <a:xfrm>
-          <a:off x="0" y="0"/>
-          <a:ext cx="0" cy="0"/>
-          <a:chOff x="0" y="0"/>
-          <a:chExt cx="0" cy="0"/>
-        </a:xfrm>
-      </p:grpSpPr>
-      <p:sp>
-        <p:nvSpPr>
-          <p:cNvPr id="3" name="コンテンツ プレースホルダー 2">
-            <a:extLst>
-              <a:ext uri="{FF2B5EF4-FFF2-40B4-BE49-F238E27FC236}">
-                <a16:creationId xmlns:a16="http://schemas.microsoft.com/office/drawing/2014/main" id="{76539F66-5BA7-4BBB-A6DB-9186CA691834}"/>
-              </a:ext>
-            </a:extLst>
-          </p:cNvPr>
-          <p:cNvSpPr>
-            <a:spLocks noGrp="1"/>
-          </p:cNvSpPr>
-          <p:nvPr>
-            <p:ph idx="1"/>
-          </p:nvPr>
-        </p:nvSpPr>
-        <p:spPr>
-          <a:xfrm>
-            <a:off x="399576" y="1104034"/>
-            <a:ext cx="5696423" cy="5466099"/>
-          </a:xfrm>
-        </p:spPr>
-        <p:txBody>
-          <a:bodyPr>
-            <a:normAutofit/>
-          </a:bodyPr>
-          <a:lstStyle/>
-          <a:p>
-            <a:r>
-              <a:rPr kumimoji="1" lang="ja-JP" altLang="en-US" sz="3200" b="1" u="sng" dirty="0"/>
-              <a:t>今回のアジェンダ</a:t>
-            </a:r>
-            <a:endParaRPr kumimoji="1" lang="en-US" altLang="ja-JP" sz="3200" b="1" u="sng" dirty="0"/>
-          </a:p>
-          <a:p>
-            <a:pPr marL="0" indent="0">
-              <a:buNone/>
-            </a:pPr>
-            <a:r>
-              <a:rPr kumimoji="1" lang="ja-JP" altLang="en-US" sz="3200" dirty="0"/>
-              <a:t>・</a:t>
-            </a:r>
-            <a:r>
-              <a:rPr kumimoji="1" lang="en-US" altLang="ja-JP" sz="3200" dirty="0"/>
-              <a:t>Prefab(</a:t>
-            </a:r>
-            <a:r>
-              <a:rPr kumimoji="1" lang="ja-JP" altLang="en-US" sz="3200" dirty="0"/>
-              <a:t>複製</a:t>
-            </a:r>
-            <a:r>
-              <a:rPr kumimoji="1" lang="en-US" altLang="ja-JP" sz="3200" dirty="0"/>
-              <a:t>)</a:t>
-            </a:r>
-            <a:br>
-              <a:rPr kumimoji="1" lang="en-US" altLang="ja-JP" sz="3200" dirty="0"/>
-            </a:br>
-            <a:r>
-              <a:rPr lang="ja-JP" altLang="en-US" sz="3200" dirty="0"/>
-              <a:t>・</a:t>
-            </a:r>
-            <a:r>
-              <a:rPr lang="en-US" altLang="ja-JP" sz="3200" dirty="0"/>
-              <a:t>Manager(</a:t>
-            </a:r>
-            <a:r>
-              <a:rPr lang="ja-JP" altLang="en-US" sz="3200" dirty="0"/>
-              <a:t>外部制御</a:t>
-            </a:r>
-            <a:r>
-              <a:rPr lang="en-US" altLang="ja-JP" sz="3200" dirty="0"/>
-              <a:t>)</a:t>
-            </a:r>
-          </a:p>
-          <a:p>
-            <a:pPr marL="0" indent="0">
-              <a:buNone/>
-            </a:pPr>
-            <a:r>
-              <a:rPr kumimoji="1" lang="ja-JP" altLang="en-US" sz="3200" dirty="0"/>
-              <a:t>・</a:t>
-            </a:r>
-            <a:r>
-              <a:rPr kumimoji="1" lang="en-US" altLang="ja-JP" sz="3200" dirty="0" err="1"/>
-              <a:t>SceneManager</a:t>
-            </a:r>
-            <a:r>
-              <a:rPr kumimoji="1" lang="en-US" altLang="ja-JP" sz="3200" dirty="0"/>
-              <a:t>(Scene</a:t>
-            </a:r>
-            <a:r>
-              <a:rPr kumimoji="1" lang="ja-JP" altLang="en-US" sz="3200" dirty="0"/>
-              <a:t>操作</a:t>
-            </a:r>
-            <a:r>
-              <a:rPr kumimoji="1" lang="en-US" altLang="ja-JP" sz="3200" dirty="0"/>
-              <a:t>)</a:t>
-            </a:r>
-            <a:endParaRPr lang="en-US" altLang="ja-JP" sz="3200" dirty="0"/>
-          </a:p>
-          <a:p>
-            <a:pPr marL="0" indent="0">
-              <a:buNone/>
-            </a:pPr>
-            <a:r>
-              <a:rPr lang="ja-JP" altLang="en-US" sz="3200" dirty="0"/>
-              <a:t>・</a:t>
-            </a:r>
-            <a:r>
-              <a:rPr lang="en-US" altLang="ja-JP" sz="3200" dirty="0" err="1"/>
-              <a:t>RigidBody</a:t>
-            </a:r>
-            <a:r>
-              <a:rPr lang="en-US" altLang="ja-JP" sz="3200" dirty="0"/>
-              <a:t>(</a:t>
-            </a:r>
-            <a:r>
-              <a:rPr lang="ja-JP" altLang="en-US" sz="3200" dirty="0"/>
-              <a:t>物理演算</a:t>
-            </a:r>
-            <a:r>
-              <a:rPr lang="en-US" altLang="ja-JP" sz="3200" dirty="0"/>
-              <a:t>)</a:t>
-            </a:r>
-          </a:p>
-          <a:p>
-            <a:pPr marL="0" indent="0">
-              <a:buNone/>
-            </a:pPr>
-            <a:r>
-              <a:rPr lang="ja-JP" altLang="en-US" sz="3200" dirty="0"/>
-              <a:t>・</a:t>
-            </a:r>
-            <a:r>
-              <a:rPr lang="en-US" altLang="ja-JP" sz="3200" dirty="0" err="1"/>
-              <a:t>Colider</a:t>
-            </a:r>
-            <a:r>
-              <a:rPr lang="en-US" altLang="ja-JP" sz="3200" dirty="0"/>
-              <a:t>(</a:t>
-            </a:r>
-            <a:r>
-              <a:rPr lang="ja-JP" altLang="en-US" sz="3200" dirty="0"/>
-              <a:t>当たり判定</a:t>
-            </a:r>
-            <a:r>
-              <a:rPr lang="en-US" altLang="ja-JP" sz="3200" dirty="0"/>
-              <a:t>)</a:t>
-            </a:r>
-          </a:p>
-          <a:p>
-            <a:pPr marL="0" indent="0">
-              <a:buNone/>
-            </a:pPr>
-            <a:r>
-              <a:rPr kumimoji="1" lang="ja-JP" altLang="en-US" sz="3200" dirty="0"/>
-              <a:t>・</a:t>
-            </a:r>
-            <a:r>
-              <a:rPr lang="ja-JP" altLang="en-US" sz="3200" dirty="0"/>
-              <a:t>確認問題</a:t>
-            </a:r>
-            <a:br>
-              <a:rPr lang="en-US" altLang="ja-JP" sz="3200" dirty="0"/>
-            </a:br>
-            <a:r>
-              <a:rPr lang="ja-JP" altLang="en-US" sz="3200" dirty="0"/>
-              <a:t>・課題</a:t>
-            </a:r>
-            <a:endParaRPr kumimoji="1" lang="ja-JP" altLang="en-US" sz="3200" dirty="0"/>
-          </a:p>
-          <a:p>
-            <a:pPr marL="0" indent="0">
-              <a:buNone/>
-            </a:pPr>
-            <a:endParaRPr kumimoji="1" lang="en-US" altLang="ja-JP" sz="3200" b="1" u="sng" dirty="0"/>
-          </a:p>
-        </p:txBody>
-      </p:sp>
-      <p:pic>
-        <p:nvPicPr>
-          <p:cNvPr id="8" name="図 7">
-            <a:extLst>
-              <a:ext uri="{FF2B5EF4-FFF2-40B4-BE49-F238E27FC236}">
-                <a16:creationId xmlns:a16="http://schemas.microsoft.com/office/drawing/2014/main" id="{3FE450E9-4586-4B48-972D-14C9C040F256}"/>
-              </a:ext>
-            </a:extLst>
-          </p:cNvPr>
-          <p:cNvPicPr>
-            <a:picLocks noChangeAspect="1"/>
-          </p:cNvPicPr>
-          <p:nvPr/>
-        </p:nvPicPr>
-        <p:blipFill>
-          <a:blip r:embed="rId2">
-            <a:extLst>
-              <a:ext uri="{28A0092B-C50C-407E-A947-70E740481C1C}">
-                <a14:useLocalDpi xmlns:a14="http://schemas.microsoft.com/office/drawing/2010/main" val="0"/>
-              </a:ext>
-            </a:extLst>
-          </a:blip>
-          <a:stretch>
-            <a:fillRect/>
-          </a:stretch>
-        </p:blipFill>
-        <p:spPr>
-          <a:xfrm>
-            <a:off x="9539909" y="101484"/>
-            <a:ext cx="2540579" cy="508116"/>
-          </a:xfrm>
-          <a:prstGeom prst="snip2DiagRect">
-            <a:avLst/>
-          </a:prstGeom>
-          <a:solidFill>
-            <a:srgbClr val="FFFFFF">
-              <a:shade val="85000"/>
-            </a:srgbClr>
-          </a:solidFill>
-          <a:ln w="88900" cap="sq">
-            <a:solidFill>
-              <a:srgbClr val="FFFFFF"/>
-            </a:solidFill>
-            <a:miter lim="800000"/>
-          </a:ln>
-          <a:effectLst>
-            <a:outerShdw blurRad="88900" algn="tl" rotWithShape="0">
-              <a:srgbClr val="000000">
-                <a:alpha val="45000"/>
-              </a:srgbClr>
-            </a:outerShdw>
-          </a:effectLst>
-          <a:scene3d>
-            <a:camera prst="orthographicFront"/>
-            <a:lightRig rig="twoPt" dir="t">
-              <a:rot lat="0" lon="0" rev="7200000"/>
-            </a:lightRig>
-          </a:scene3d>
-          <a:sp3d>
-            <a:bevelT w="25400" h="19050"/>
-            <a:contourClr>
-              <a:srgbClr val="FFFFFF"/>
-            </a:contourClr>
-          </a:sp3d>
-        </p:spPr>
-      </p:pic>
-      <p:sp>
-        <p:nvSpPr>
-          <p:cNvPr id="14" name="タイトル 1">
-            <a:extLst>
-              <a:ext uri="{FF2B5EF4-FFF2-40B4-BE49-F238E27FC236}">
-                <a16:creationId xmlns:a16="http://schemas.microsoft.com/office/drawing/2014/main" id="{455EA0C2-4FB9-43BC-8B7F-C436C1DEF47F}"/>
-              </a:ext>
-            </a:extLst>
-          </p:cNvPr>
-          <p:cNvSpPr txBox="1">
-            <a:spLocks/>
-          </p:cNvSpPr>
-          <p:nvPr/>
-        </p:nvSpPr>
-        <p:spPr>
-          <a:xfrm>
-            <a:off x="276061" y="287867"/>
-            <a:ext cx="8596668" cy="660400"/>
-          </a:xfrm>
-          <a:prstGeom prst="rect">
-            <a:avLst/>
-          </a:prstGeom>
-        </p:spPr>
-        <p:txBody>
-          <a:bodyPr vert="horz" lIns="91440" tIns="45720" rIns="91440" bIns="45720" rtlCol="0" anchor="t">
-            <a:normAutofit/>
-          </a:bodyPr>
-          <a:lstStyle>
-            <a:lvl1pPr algn="l" defTabSz="457200" rtl="0" eaLnBrk="1" latinLnBrk="0" hangingPunct="1">
-              <a:spcBef>
-                <a:spcPct val="0"/>
-              </a:spcBef>
-              <a:buNone/>
-              <a:defRPr kumimoji="1" sz="3600" kern="1200">
-                <a:solidFill>
-                  <a:schemeClr val="accent1"/>
-                </a:solidFill>
-                <a:latin typeface="+mj-lt"/>
-                <a:ea typeface="+mj-ea"/>
-                <a:cs typeface="+mj-cs"/>
-              </a:defRPr>
-            </a:lvl1pPr>
-            <a:lvl2pPr eaLnBrk="1" hangingPunct="1">
-              <a:defRPr kumimoji="1">
-                <a:solidFill>
-                  <a:schemeClr val="tx2"/>
-                </a:solidFill>
-              </a:defRPr>
-            </a:lvl2pPr>
-            <a:lvl3pPr eaLnBrk="1" hangingPunct="1">
-              <a:defRPr kumimoji="1">
-                <a:solidFill>
-                  <a:schemeClr val="tx2"/>
-                </a:solidFill>
-              </a:defRPr>
-            </a:lvl3pPr>
-            <a:lvl4pPr eaLnBrk="1" hangingPunct="1">
-              <a:defRPr kumimoji="1">
-                <a:solidFill>
-                  <a:schemeClr val="tx2"/>
-                </a:solidFill>
-              </a:defRPr>
-            </a:lvl4pPr>
-            <a:lvl5pPr eaLnBrk="1" hangingPunct="1">
-              <a:defRPr kumimoji="1">
-                <a:solidFill>
-                  <a:schemeClr val="tx2"/>
-                </a:solidFill>
-              </a:defRPr>
-            </a:lvl5pPr>
-            <a:lvl6pPr eaLnBrk="1" hangingPunct="1">
-              <a:defRPr kumimoji="1">
-                <a:solidFill>
-                  <a:schemeClr val="tx2"/>
-                </a:solidFill>
-              </a:defRPr>
-            </a:lvl6pPr>
-            <a:lvl7pPr eaLnBrk="1" hangingPunct="1">
-              <a:defRPr kumimoji="1">
-                <a:solidFill>
-                  <a:schemeClr val="tx2"/>
-                </a:solidFill>
-              </a:defRPr>
-            </a:lvl7pPr>
-            <a:lvl8pPr eaLnBrk="1" hangingPunct="1">
-              <a:defRPr kumimoji="1">
-                <a:solidFill>
-                  <a:schemeClr val="tx2"/>
-                </a:solidFill>
-              </a:defRPr>
-            </a:lvl8pPr>
-            <a:lvl9pPr eaLnBrk="1" hangingPunct="1">
-              <a:defRPr kumimoji="1">
-                <a:solidFill>
-                  <a:schemeClr val="tx2"/>
-                </a:solidFill>
-              </a:defRPr>
-            </a:lvl9pPr>
-          </a:lstStyle>
-          <a:p>
-            <a:r>
               <a:rPr lang="ja-JP" altLang="en-US" dirty="0">
                 <a:solidFill>
                   <a:schemeClr val="tx1"/>
@@ -6453,609 +6175,6 @@
               <a:rPr lang="ja-JP" altLang="en-US" dirty="0"/>
               <a:t>）</a:t>
             </a:r>
-          </a:p>
-        </p:txBody>
-      </p:sp>
-      <p:sp>
-        <p:nvSpPr>
-          <p:cNvPr id="6" name="コンテンツ プレースホルダー 2">
-            <a:extLst>
-              <a:ext uri="{FF2B5EF4-FFF2-40B4-BE49-F238E27FC236}">
-                <a16:creationId xmlns:a16="http://schemas.microsoft.com/office/drawing/2014/main" id="{5235F61D-3CF2-4C99-ACDE-D55779AA25AE}"/>
-              </a:ext>
-            </a:extLst>
-          </p:cNvPr>
-          <p:cNvSpPr txBox="1">
-            <a:spLocks/>
-          </p:cNvSpPr>
-          <p:nvPr/>
-        </p:nvSpPr>
-        <p:spPr>
-          <a:xfrm>
-            <a:off x="6096000" y="1104035"/>
-            <a:ext cx="4580586" cy="2057176"/>
-          </a:xfrm>
-          <a:prstGeom prst="rect">
-            <a:avLst/>
-          </a:prstGeom>
-        </p:spPr>
-        <p:txBody>
-          <a:bodyPr vert="horz" lIns="91440" tIns="45720" rIns="91440" bIns="45720" rtlCol="0">
-            <a:normAutofit/>
-          </a:bodyPr>
-          <a:lstStyle>
-            <a:lvl1pPr marL="342900" indent="-342900" algn="l" defTabSz="457200" rtl="0" eaLnBrk="1" latinLnBrk="0" hangingPunct="1">
-              <a:spcBef>
-                <a:spcPts val="1000"/>
-              </a:spcBef>
-              <a:spcAft>
-                <a:spcPts val="0"/>
-              </a:spcAft>
-              <a:buClr>
-                <a:schemeClr val="accent1"/>
-              </a:buClr>
-              <a:buSzPct val="80000"/>
-              <a:buFont typeface="Wingdings 3" charset="2"/>
-              <a:buChar char=""/>
-              <a:defRPr kumimoji="1" sz="1800" kern="1200">
-                <a:solidFill>
-                  <a:schemeClr val="tx1">
-                    <a:lumMod val="75000"/>
-                    <a:lumOff val="25000"/>
-                  </a:schemeClr>
-                </a:solidFill>
-                <a:latin typeface="+mn-lt"/>
-                <a:ea typeface="+mn-ea"/>
-                <a:cs typeface="+mn-cs"/>
-              </a:defRPr>
-            </a:lvl1pPr>
-            <a:lvl2pPr marL="742950" indent="-285750" algn="l" defTabSz="457200" rtl="0" eaLnBrk="1" latinLnBrk="0" hangingPunct="1">
-              <a:spcBef>
-                <a:spcPts val="1000"/>
-              </a:spcBef>
-              <a:spcAft>
-                <a:spcPts val="0"/>
-              </a:spcAft>
-              <a:buClr>
-                <a:schemeClr val="accent1"/>
-              </a:buClr>
-              <a:buSzPct val="80000"/>
-              <a:buFont typeface="Wingdings 3" charset="2"/>
-              <a:buChar char=""/>
-              <a:defRPr kumimoji="1" sz="1600" kern="1200">
-                <a:solidFill>
-                  <a:schemeClr val="tx1">
-                    <a:lumMod val="75000"/>
-                    <a:lumOff val="25000"/>
-                  </a:schemeClr>
-                </a:solidFill>
-                <a:latin typeface="+mn-lt"/>
-                <a:ea typeface="+mn-ea"/>
-                <a:cs typeface="+mn-cs"/>
-              </a:defRPr>
-            </a:lvl2pPr>
-            <a:lvl3pPr marL="1143000" indent="-228600" algn="l" defTabSz="457200" rtl="0" eaLnBrk="1" latinLnBrk="0" hangingPunct="1">
-              <a:spcBef>
-                <a:spcPts val="1000"/>
-              </a:spcBef>
-              <a:spcAft>
-                <a:spcPts val="0"/>
-              </a:spcAft>
-              <a:buClr>
-                <a:schemeClr val="accent1"/>
-              </a:buClr>
-              <a:buSzPct val="80000"/>
-              <a:buFont typeface="Wingdings 3" charset="2"/>
-              <a:buChar char=""/>
-              <a:defRPr kumimoji="1" sz="1400" kern="1200">
-                <a:solidFill>
-                  <a:schemeClr val="tx1">
-                    <a:lumMod val="75000"/>
-                    <a:lumOff val="25000"/>
-                  </a:schemeClr>
-                </a:solidFill>
-                <a:latin typeface="+mn-lt"/>
-                <a:ea typeface="+mn-ea"/>
-                <a:cs typeface="+mn-cs"/>
-              </a:defRPr>
-            </a:lvl3pPr>
-            <a:lvl4pPr marL="1600200" indent="-228600" algn="l" defTabSz="457200" rtl="0" eaLnBrk="1" latinLnBrk="0" hangingPunct="1">
-              <a:spcBef>
-                <a:spcPts val="1000"/>
-              </a:spcBef>
-              <a:spcAft>
-                <a:spcPts val="0"/>
-              </a:spcAft>
-              <a:buClr>
-                <a:schemeClr val="accent1"/>
-              </a:buClr>
-              <a:buSzPct val="80000"/>
-              <a:buFont typeface="Wingdings 3" charset="2"/>
-              <a:buChar char=""/>
-              <a:defRPr kumimoji="1" sz="1200" kern="1200">
-                <a:solidFill>
-                  <a:schemeClr val="tx1">
-                    <a:lumMod val="75000"/>
-                    <a:lumOff val="25000"/>
-                  </a:schemeClr>
-                </a:solidFill>
-                <a:latin typeface="+mn-lt"/>
-                <a:ea typeface="+mn-ea"/>
-                <a:cs typeface="+mn-cs"/>
-              </a:defRPr>
-            </a:lvl4pPr>
-            <a:lvl5pPr marL="2057400" indent="-228600" algn="l" defTabSz="457200" rtl="0" eaLnBrk="1" latinLnBrk="0" hangingPunct="1">
-              <a:spcBef>
-                <a:spcPts val="1000"/>
-              </a:spcBef>
-              <a:spcAft>
-                <a:spcPts val="0"/>
-              </a:spcAft>
-              <a:buClr>
-                <a:schemeClr val="accent1"/>
-              </a:buClr>
-              <a:buSzPct val="80000"/>
-              <a:buFont typeface="Wingdings 3" charset="2"/>
-              <a:buChar char=""/>
-              <a:defRPr kumimoji="1" sz="1200" kern="1200">
-                <a:solidFill>
-                  <a:schemeClr val="tx1">
-                    <a:lumMod val="75000"/>
-                    <a:lumOff val="25000"/>
-                  </a:schemeClr>
-                </a:solidFill>
-                <a:latin typeface="+mn-lt"/>
-                <a:ea typeface="+mn-ea"/>
-                <a:cs typeface="+mn-cs"/>
-              </a:defRPr>
-            </a:lvl5pPr>
-            <a:lvl6pPr marL="2514600" indent="-228600" algn="l" defTabSz="457200" rtl="0" eaLnBrk="1" latinLnBrk="0" hangingPunct="1">
-              <a:spcBef>
-                <a:spcPts val="1000"/>
-              </a:spcBef>
-              <a:spcAft>
-                <a:spcPts val="0"/>
-              </a:spcAft>
-              <a:buClr>
-                <a:schemeClr val="accent1"/>
-              </a:buClr>
-              <a:buSzPct val="80000"/>
-              <a:buFont typeface="Wingdings 3" charset="2"/>
-              <a:buChar char=""/>
-              <a:defRPr kumimoji="1" sz="1200" kern="1200">
-                <a:solidFill>
-                  <a:schemeClr val="tx1">
-                    <a:lumMod val="75000"/>
-                    <a:lumOff val="25000"/>
-                  </a:schemeClr>
-                </a:solidFill>
-                <a:latin typeface="+mn-lt"/>
-                <a:ea typeface="+mn-ea"/>
-                <a:cs typeface="+mn-cs"/>
-              </a:defRPr>
-            </a:lvl6pPr>
-            <a:lvl7pPr marL="2971800" indent="-228600" algn="l" defTabSz="457200" rtl="0" eaLnBrk="1" latinLnBrk="0" hangingPunct="1">
-              <a:spcBef>
-                <a:spcPts val="1000"/>
-              </a:spcBef>
-              <a:spcAft>
-                <a:spcPts val="0"/>
-              </a:spcAft>
-              <a:buClr>
-                <a:schemeClr val="accent1"/>
-              </a:buClr>
-              <a:buSzPct val="80000"/>
-              <a:buFont typeface="Wingdings 3" charset="2"/>
-              <a:buChar char=""/>
-              <a:defRPr kumimoji="1" sz="1200" kern="1200">
-                <a:solidFill>
-                  <a:schemeClr val="tx1">
-                    <a:lumMod val="75000"/>
-                    <a:lumOff val="25000"/>
-                  </a:schemeClr>
-                </a:solidFill>
-                <a:latin typeface="+mn-lt"/>
-                <a:ea typeface="+mn-ea"/>
-                <a:cs typeface="+mn-cs"/>
-              </a:defRPr>
-            </a:lvl7pPr>
-            <a:lvl8pPr marL="3429000" indent="-228600" algn="l" defTabSz="457200" rtl="0" eaLnBrk="1" latinLnBrk="0" hangingPunct="1">
-              <a:spcBef>
-                <a:spcPts val="1000"/>
-              </a:spcBef>
-              <a:spcAft>
-                <a:spcPts val="0"/>
-              </a:spcAft>
-              <a:buClr>
-                <a:schemeClr val="accent1"/>
-              </a:buClr>
-              <a:buSzPct val="80000"/>
-              <a:buFont typeface="Wingdings 3" charset="2"/>
-              <a:buChar char=""/>
-              <a:defRPr kumimoji="1" sz="1200" kern="1200">
-                <a:solidFill>
-                  <a:schemeClr val="tx1">
-                    <a:lumMod val="75000"/>
-                    <a:lumOff val="25000"/>
-                  </a:schemeClr>
-                </a:solidFill>
-                <a:latin typeface="+mn-lt"/>
-                <a:ea typeface="+mn-ea"/>
-                <a:cs typeface="+mn-cs"/>
-              </a:defRPr>
-            </a:lvl8pPr>
-            <a:lvl9pPr marL="3886200" indent="-228600" algn="l" defTabSz="457200" rtl="0" eaLnBrk="1" latinLnBrk="0" hangingPunct="1">
-              <a:spcBef>
-                <a:spcPts val="1000"/>
-              </a:spcBef>
-              <a:spcAft>
-                <a:spcPts val="0"/>
-              </a:spcAft>
-              <a:buClr>
-                <a:schemeClr val="accent1"/>
-              </a:buClr>
-              <a:buSzPct val="80000"/>
-              <a:buFont typeface="Wingdings 3" charset="2"/>
-              <a:buChar char=""/>
-              <a:defRPr kumimoji="1" sz="1200" kern="1200">
-                <a:solidFill>
-                  <a:schemeClr val="tx1">
-                    <a:lumMod val="75000"/>
-                    <a:lumOff val="25000"/>
-                  </a:schemeClr>
-                </a:solidFill>
-                <a:latin typeface="+mn-lt"/>
-                <a:ea typeface="+mn-ea"/>
-                <a:cs typeface="+mn-cs"/>
-              </a:defRPr>
-            </a:lvl9pPr>
-          </a:lstStyle>
-          <a:p>
-            <a:pPr marL="0" indent="0">
-              <a:buNone/>
-            </a:pPr>
-            <a:r>
-              <a:rPr lang="ja-JP" altLang="en-US" sz="3200" b="1" dirty="0"/>
-              <a:t>・</a:t>
-            </a:r>
-            <a:r>
-              <a:rPr lang="ja-JP" altLang="en-US" sz="3200" b="1" u="sng" dirty="0"/>
-              <a:t>今回の範囲</a:t>
-            </a:r>
-            <a:endParaRPr lang="en-US" altLang="ja-JP" sz="3200" b="1" u="sng" dirty="0"/>
-          </a:p>
-          <a:p>
-            <a:pPr marL="0" indent="0">
-              <a:buFont typeface="Wingdings 3" charset="2"/>
-              <a:buNone/>
-            </a:pPr>
-            <a:r>
-              <a:rPr lang="ja-JP" altLang="en-US" sz="2800" dirty="0"/>
-              <a:t>・</a:t>
-            </a:r>
-            <a:r>
-              <a:rPr lang="en-US" altLang="ja-JP" sz="2800" dirty="0"/>
-              <a:t>Unity3D: Chapter4</a:t>
-            </a:r>
-            <a:r>
-              <a:rPr lang="ja-JP" altLang="en-US" sz="2800" dirty="0"/>
-              <a:t>以降</a:t>
-            </a:r>
-            <a:endParaRPr lang="en-US" altLang="ja-JP" sz="2800" dirty="0"/>
-          </a:p>
-          <a:p>
-            <a:pPr marL="0" indent="0">
-              <a:buNone/>
-            </a:pPr>
-            <a:r>
-              <a:rPr lang="ja-JP" altLang="en-US" sz="2800" dirty="0"/>
-              <a:t>・課題：スライド内に記述</a:t>
-            </a:r>
-            <a:endParaRPr lang="en-US" altLang="ja-JP" sz="3200" dirty="0"/>
-          </a:p>
-          <a:p>
-            <a:pPr marL="0" indent="0">
-              <a:buNone/>
-            </a:pPr>
-            <a:endParaRPr lang="en-US" altLang="ja-JP" sz="3200" dirty="0"/>
-          </a:p>
-          <a:p>
-            <a:endParaRPr lang="en-US" altLang="ja-JP" sz="3200" dirty="0"/>
-          </a:p>
-          <a:p>
-            <a:pPr marL="0" indent="0">
-              <a:buNone/>
-            </a:pPr>
-            <a:endParaRPr lang="ja-JP" altLang="en-US" sz="3200" dirty="0"/>
-          </a:p>
-        </p:txBody>
-      </p:sp>
-      <p:sp>
-        <p:nvSpPr>
-          <p:cNvPr id="7" name="コンテンツ プレースホルダー 2">
-            <a:extLst>
-              <a:ext uri="{FF2B5EF4-FFF2-40B4-BE49-F238E27FC236}">
-                <a16:creationId xmlns:a16="http://schemas.microsoft.com/office/drawing/2014/main" id="{4A237C08-99EF-429B-9922-1B9A5E04C7D4}"/>
-              </a:ext>
-            </a:extLst>
-          </p:cNvPr>
-          <p:cNvSpPr txBox="1">
-            <a:spLocks/>
-          </p:cNvSpPr>
-          <p:nvPr/>
-        </p:nvSpPr>
-        <p:spPr>
-          <a:xfrm>
-            <a:off x="6229612" y="3655646"/>
-            <a:ext cx="5962388" cy="2057176"/>
-          </a:xfrm>
-          <a:prstGeom prst="rect">
-            <a:avLst/>
-          </a:prstGeom>
-        </p:spPr>
-        <p:txBody>
-          <a:bodyPr vert="horz" lIns="91440" tIns="45720" rIns="91440" bIns="45720" rtlCol="0">
-            <a:normAutofit/>
-          </a:bodyPr>
-          <a:lstStyle>
-            <a:lvl1pPr marL="342900" indent="-342900" algn="l" defTabSz="457200" rtl="0" eaLnBrk="1" latinLnBrk="0" hangingPunct="1">
-              <a:spcBef>
-                <a:spcPts val="1000"/>
-              </a:spcBef>
-              <a:spcAft>
-                <a:spcPts val="0"/>
-              </a:spcAft>
-              <a:buClr>
-                <a:schemeClr val="accent1"/>
-              </a:buClr>
-              <a:buSzPct val="80000"/>
-              <a:buFont typeface="Wingdings 3" charset="2"/>
-              <a:buChar char=""/>
-              <a:defRPr kumimoji="1" sz="1800" kern="1200">
-                <a:solidFill>
-                  <a:schemeClr val="tx1">
-                    <a:lumMod val="75000"/>
-                    <a:lumOff val="25000"/>
-                  </a:schemeClr>
-                </a:solidFill>
-                <a:latin typeface="+mn-lt"/>
-                <a:ea typeface="+mn-ea"/>
-                <a:cs typeface="+mn-cs"/>
-              </a:defRPr>
-            </a:lvl1pPr>
-            <a:lvl2pPr marL="742950" indent="-285750" algn="l" defTabSz="457200" rtl="0" eaLnBrk="1" latinLnBrk="0" hangingPunct="1">
-              <a:spcBef>
-                <a:spcPts val="1000"/>
-              </a:spcBef>
-              <a:spcAft>
-                <a:spcPts val="0"/>
-              </a:spcAft>
-              <a:buClr>
-                <a:schemeClr val="accent1"/>
-              </a:buClr>
-              <a:buSzPct val="80000"/>
-              <a:buFont typeface="Wingdings 3" charset="2"/>
-              <a:buChar char=""/>
-              <a:defRPr kumimoji="1" sz="1600" kern="1200">
-                <a:solidFill>
-                  <a:schemeClr val="tx1">
-                    <a:lumMod val="75000"/>
-                    <a:lumOff val="25000"/>
-                  </a:schemeClr>
-                </a:solidFill>
-                <a:latin typeface="+mn-lt"/>
-                <a:ea typeface="+mn-ea"/>
-                <a:cs typeface="+mn-cs"/>
-              </a:defRPr>
-            </a:lvl2pPr>
-            <a:lvl3pPr marL="1143000" indent="-228600" algn="l" defTabSz="457200" rtl="0" eaLnBrk="1" latinLnBrk="0" hangingPunct="1">
-              <a:spcBef>
-                <a:spcPts val="1000"/>
-              </a:spcBef>
-              <a:spcAft>
-                <a:spcPts val="0"/>
-              </a:spcAft>
-              <a:buClr>
-                <a:schemeClr val="accent1"/>
-              </a:buClr>
-              <a:buSzPct val="80000"/>
-              <a:buFont typeface="Wingdings 3" charset="2"/>
-              <a:buChar char=""/>
-              <a:defRPr kumimoji="1" sz="1400" kern="1200">
-                <a:solidFill>
-                  <a:schemeClr val="tx1">
-                    <a:lumMod val="75000"/>
-                    <a:lumOff val="25000"/>
-                  </a:schemeClr>
-                </a:solidFill>
-                <a:latin typeface="+mn-lt"/>
-                <a:ea typeface="+mn-ea"/>
-                <a:cs typeface="+mn-cs"/>
-              </a:defRPr>
-            </a:lvl3pPr>
-            <a:lvl4pPr marL="1600200" indent="-228600" algn="l" defTabSz="457200" rtl="0" eaLnBrk="1" latinLnBrk="0" hangingPunct="1">
-              <a:spcBef>
-                <a:spcPts val="1000"/>
-              </a:spcBef>
-              <a:spcAft>
-                <a:spcPts val="0"/>
-              </a:spcAft>
-              <a:buClr>
-                <a:schemeClr val="accent1"/>
-              </a:buClr>
-              <a:buSzPct val="80000"/>
-              <a:buFont typeface="Wingdings 3" charset="2"/>
-              <a:buChar char=""/>
-              <a:defRPr kumimoji="1" sz="1200" kern="1200">
-                <a:solidFill>
-                  <a:schemeClr val="tx1">
-                    <a:lumMod val="75000"/>
-                    <a:lumOff val="25000"/>
-                  </a:schemeClr>
-                </a:solidFill>
-                <a:latin typeface="+mn-lt"/>
-                <a:ea typeface="+mn-ea"/>
-                <a:cs typeface="+mn-cs"/>
-              </a:defRPr>
-            </a:lvl4pPr>
-            <a:lvl5pPr marL="2057400" indent="-228600" algn="l" defTabSz="457200" rtl="0" eaLnBrk="1" latinLnBrk="0" hangingPunct="1">
-              <a:spcBef>
-                <a:spcPts val="1000"/>
-              </a:spcBef>
-              <a:spcAft>
-                <a:spcPts val="0"/>
-              </a:spcAft>
-              <a:buClr>
-                <a:schemeClr val="accent1"/>
-              </a:buClr>
-              <a:buSzPct val="80000"/>
-              <a:buFont typeface="Wingdings 3" charset="2"/>
-              <a:buChar char=""/>
-              <a:defRPr kumimoji="1" sz="1200" kern="1200">
-                <a:solidFill>
-                  <a:schemeClr val="tx1">
-                    <a:lumMod val="75000"/>
-                    <a:lumOff val="25000"/>
-                  </a:schemeClr>
-                </a:solidFill>
-                <a:latin typeface="+mn-lt"/>
-                <a:ea typeface="+mn-ea"/>
-                <a:cs typeface="+mn-cs"/>
-              </a:defRPr>
-            </a:lvl5pPr>
-            <a:lvl6pPr marL="2514600" indent="-228600" algn="l" defTabSz="457200" rtl="0" eaLnBrk="1" latinLnBrk="0" hangingPunct="1">
-              <a:spcBef>
-                <a:spcPts val="1000"/>
-              </a:spcBef>
-              <a:spcAft>
-                <a:spcPts val="0"/>
-              </a:spcAft>
-              <a:buClr>
-                <a:schemeClr val="accent1"/>
-              </a:buClr>
-              <a:buSzPct val="80000"/>
-              <a:buFont typeface="Wingdings 3" charset="2"/>
-              <a:buChar char=""/>
-              <a:defRPr kumimoji="1" sz="1200" kern="1200">
-                <a:solidFill>
-                  <a:schemeClr val="tx1">
-                    <a:lumMod val="75000"/>
-                    <a:lumOff val="25000"/>
-                  </a:schemeClr>
-                </a:solidFill>
-                <a:latin typeface="+mn-lt"/>
-                <a:ea typeface="+mn-ea"/>
-                <a:cs typeface="+mn-cs"/>
-              </a:defRPr>
-            </a:lvl6pPr>
-            <a:lvl7pPr marL="2971800" indent="-228600" algn="l" defTabSz="457200" rtl="0" eaLnBrk="1" latinLnBrk="0" hangingPunct="1">
-              <a:spcBef>
-                <a:spcPts val="1000"/>
-              </a:spcBef>
-              <a:spcAft>
-                <a:spcPts val="0"/>
-              </a:spcAft>
-              <a:buClr>
-                <a:schemeClr val="accent1"/>
-              </a:buClr>
-              <a:buSzPct val="80000"/>
-              <a:buFont typeface="Wingdings 3" charset="2"/>
-              <a:buChar char=""/>
-              <a:defRPr kumimoji="1" sz="1200" kern="1200">
-                <a:solidFill>
-                  <a:schemeClr val="tx1">
-                    <a:lumMod val="75000"/>
-                    <a:lumOff val="25000"/>
-                  </a:schemeClr>
-                </a:solidFill>
-                <a:latin typeface="+mn-lt"/>
-                <a:ea typeface="+mn-ea"/>
-                <a:cs typeface="+mn-cs"/>
-              </a:defRPr>
-            </a:lvl7pPr>
-            <a:lvl8pPr marL="3429000" indent="-228600" algn="l" defTabSz="457200" rtl="0" eaLnBrk="1" latinLnBrk="0" hangingPunct="1">
-              <a:spcBef>
-                <a:spcPts val="1000"/>
-              </a:spcBef>
-              <a:spcAft>
-                <a:spcPts val="0"/>
-              </a:spcAft>
-              <a:buClr>
-                <a:schemeClr val="accent1"/>
-              </a:buClr>
-              <a:buSzPct val="80000"/>
-              <a:buFont typeface="Wingdings 3" charset="2"/>
-              <a:buChar char=""/>
-              <a:defRPr kumimoji="1" sz="1200" kern="1200">
-                <a:solidFill>
-                  <a:schemeClr val="tx1">
-                    <a:lumMod val="75000"/>
-                    <a:lumOff val="25000"/>
-                  </a:schemeClr>
-                </a:solidFill>
-                <a:latin typeface="+mn-lt"/>
-                <a:ea typeface="+mn-ea"/>
-                <a:cs typeface="+mn-cs"/>
-              </a:defRPr>
-            </a:lvl8pPr>
-            <a:lvl9pPr marL="3886200" indent="-228600" algn="l" defTabSz="457200" rtl="0" eaLnBrk="1" latinLnBrk="0" hangingPunct="1">
-              <a:spcBef>
-                <a:spcPts val="1000"/>
-              </a:spcBef>
-              <a:spcAft>
-                <a:spcPts val="0"/>
-              </a:spcAft>
-              <a:buClr>
-                <a:schemeClr val="accent1"/>
-              </a:buClr>
-              <a:buSzPct val="80000"/>
-              <a:buFont typeface="Wingdings 3" charset="2"/>
-              <a:buChar char=""/>
-              <a:defRPr kumimoji="1" sz="1200" kern="1200">
-                <a:solidFill>
-                  <a:schemeClr val="tx1">
-                    <a:lumMod val="75000"/>
-                    <a:lumOff val="25000"/>
-                  </a:schemeClr>
-                </a:solidFill>
-                <a:latin typeface="+mn-lt"/>
-                <a:ea typeface="+mn-ea"/>
-                <a:cs typeface="+mn-cs"/>
-              </a:defRPr>
-            </a:lvl9pPr>
-          </a:lstStyle>
-          <a:p>
-            <a:pPr marL="0" indent="0">
-              <a:buNone/>
-            </a:pPr>
-            <a:r>
-              <a:rPr lang="ja-JP" altLang="en-US" sz="3200" b="1" dirty="0"/>
-              <a:t>・</a:t>
-            </a:r>
-            <a:r>
-              <a:rPr lang="ja-JP" altLang="en-US" sz="3200" b="1" u="sng" dirty="0"/>
-              <a:t>今回のリポジトリ</a:t>
-            </a:r>
-            <a:endParaRPr lang="en-US" altLang="ja-JP" sz="3200" b="1" u="sng" dirty="0"/>
-          </a:p>
-          <a:p>
-            <a:pPr marL="0" indent="0">
-              <a:buNone/>
-            </a:pPr>
-            <a:r>
-              <a:rPr lang="en-US" altLang="ja-JP"/>
-              <a:t>https</a:t>
-            </a:r>
-            <a:r>
-              <a:rPr lang="en-US" altLang="ja-JP" dirty="0"/>
-              <a:t>://github.com/MahiroCreative/publicStudent</a:t>
-            </a:r>
-          </a:p>
-          <a:p>
-            <a:pPr marL="0" indent="0">
-              <a:buNone/>
-            </a:pPr>
-            <a:endParaRPr lang="ja-JP" altLang="en-US" sz="3200" dirty="0"/>
           </a:p>
         </p:txBody>
       </p:sp>
